--- a/miniih.pptx
+++ b/miniih.pptx
@@ -7,6 +7,8 @@
   <p:sldIdLst>
     <p:sldId id="256" r:id="rId2"/>
     <p:sldId id="257" r:id="rId3"/>
+    <p:sldId id="258" r:id="rId4"/>
+    <p:sldId id="259" r:id="rId5"/>
   </p:sldIdLst>
   <p:sldSz cx="12192000" cy="6858000"/>
   <p:notesSz cx="6858000" cy="9144000"/>
@@ -105,6 +107,11 @@
       </a:defRPr>
     </a:lvl9pPr>
   </p:defaultTextStyle>
+  <p:extLst>
+    <p:ext uri="{EFAFB233-063F-42B5-8137-9DF3F51BA10A}">
+      <p15:sldGuideLst xmlns:p15="http://schemas.microsoft.com/office/powerpoint/2012/main"/>
+    </p:ext>
+  </p:extLst>
 </p:presentation>
 </file>
 
@@ -113,7 +120,7 @@
   <pc:docChgLst>
     <pc:chgData name="Tsogzolmaa Munkhbat" userId="2c465fcbae2a7b73" providerId="LiveId" clId="{EFAD1662-B877-447D-AA21-0B7EE954458B}"/>
     <pc:docChg chg="addSld modSld">
-      <pc:chgData name="Tsogzolmaa Munkhbat" userId="2c465fcbae2a7b73" providerId="LiveId" clId="{EFAD1662-B877-447D-AA21-0B7EE954458B}" dt="2024-02-03T12:19:11.806" v="15" actId="20577"/>
+      <pc:chgData name="Tsogzolmaa Munkhbat" userId="2c465fcbae2a7b73" providerId="LiveId" clId="{EFAD1662-B877-447D-AA21-0B7EE954458B}" dt="2024-02-03T12:19:47.521" v="27" actId="20577"/>
       <pc:docMkLst>
         <pc:docMk/>
       </pc:docMkLst>
@@ -144,6 +151,36 @@
             <pc:docMk/>
             <pc:sldMk cId="1494645620" sldId="257"/>
             <ac:spMk id="2" creationId="{50ACE9AC-46B9-E723-D5F1-6C4BAF88BCD0}"/>
+          </ac:spMkLst>
+        </pc:spChg>
+      </pc:sldChg>
+      <pc:sldChg chg="modSp add mod">
+        <pc:chgData name="Tsogzolmaa Munkhbat" userId="2c465fcbae2a7b73" providerId="LiveId" clId="{EFAD1662-B877-447D-AA21-0B7EE954458B}" dt="2024-02-03T12:19:41.875" v="21" actId="20577"/>
+        <pc:sldMkLst>
+          <pc:docMk/>
+          <pc:sldMk cId="198335120" sldId="258"/>
+        </pc:sldMkLst>
+        <pc:spChg chg="mod">
+          <ac:chgData name="Tsogzolmaa Munkhbat" userId="2c465fcbae2a7b73" providerId="LiveId" clId="{EFAD1662-B877-447D-AA21-0B7EE954458B}" dt="2024-02-03T12:19:41.875" v="21" actId="20577"/>
+          <ac:spMkLst>
+            <pc:docMk/>
+            <pc:sldMk cId="198335120" sldId="258"/>
+            <ac:spMk id="2" creationId="{B664EE6D-6070-D6DA-6F55-6B7558C47EF0}"/>
+          </ac:spMkLst>
+        </pc:spChg>
+      </pc:sldChg>
+      <pc:sldChg chg="modSp add mod">
+        <pc:chgData name="Tsogzolmaa Munkhbat" userId="2c465fcbae2a7b73" providerId="LiveId" clId="{EFAD1662-B877-447D-AA21-0B7EE954458B}" dt="2024-02-03T12:19:47.521" v="27" actId="20577"/>
+        <pc:sldMkLst>
+          <pc:docMk/>
+          <pc:sldMk cId="1044579659" sldId="259"/>
+        </pc:sldMkLst>
+        <pc:spChg chg="mod">
+          <ac:chgData name="Tsogzolmaa Munkhbat" userId="2c465fcbae2a7b73" providerId="LiveId" clId="{EFAD1662-B877-447D-AA21-0B7EE954458B}" dt="2024-02-03T12:19:47.521" v="27" actId="20577"/>
+          <ac:spMkLst>
+            <pc:docMk/>
+            <pc:sldMk cId="1044579659" sldId="259"/>
+            <ac:spMk id="2" creationId="{383C7D7A-A462-E47B-807A-74B0CA23A12A}"/>
           </ac:spMkLst>
         </pc:spChg>
       </pc:sldChg>
@@ -3521,6 +3558,186 @@
 </p:sld>
 </file>
 
+<file path=ppt/slides/slide3.xml><?xml version="1.0" encoding="utf-8"?>
+<p:sld xmlns:a="http://schemas.openxmlformats.org/drawingml/2006/main" xmlns:r="http://schemas.openxmlformats.org/officeDocument/2006/relationships" xmlns:p="http://schemas.openxmlformats.org/presentationml/2006/main">
+  <p:cSld>
+    <p:spTree>
+      <p:nvGrpSpPr>
+        <p:cNvPr id="1" name="">
+          <a:extLst>
+            <a:ext uri="{FF2B5EF4-FFF2-40B4-BE49-F238E27FC236}">
+              <a16:creationId xmlns:a16="http://schemas.microsoft.com/office/drawing/2014/main" id="{5546D7DA-B7FD-1620-E4C7-73E08EA63C57}"/>
+            </a:ext>
+          </a:extLst>
+        </p:cNvPr>
+        <p:cNvGrpSpPr/>
+        <p:nvPr/>
+      </p:nvGrpSpPr>
+      <p:grpSpPr>
+        <a:xfrm>
+          <a:off x="0" y="0"/>
+          <a:ext cx="0" cy="0"/>
+          <a:chOff x="0" y="0"/>
+          <a:chExt cx="0" cy="0"/>
+        </a:xfrm>
+      </p:grpSpPr>
+      <p:sp>
+        <p:nvSpPr>
+          <p:cNvPr id="2" name="Title 1">
+            <a:extLst>
+              <a:ext uri="{FF2B5EF4-FFF2-40B4-BE49-F238E27FC236}">
+                <a16:creationId xmlns:a16="http://schemas.microsoft.com/office/drawing/2014/main" id="{B664EE6D-6070-D6DA-6F55-6B7558C47EF0}"/>
+              </a:ext>
+            </a:extLst>
+          </p:cNvPr>
+          <p:cNvSpPr>
+            <a:spLocks noGrp="1"/>
+          </p:cNvSpPr>
+          <p:nvPr>
+            <p:ph type="ctrTitle"/>
+          </p:nvPr>
+        </p:nvSpPr>
+        <p:spPr/>
+        <p:txBody>
+          <a:bodyPr/>
+          <a:lstStyle/>
+          <a:p>
+            <a:r>
+              <a:rPr lang="en-US" dirty="0" err="1"/>
+              <a:t>Hoyor</a:t>
+            </a:r>
+            <a:endParaRPr lang="en-US" dirty="0"/>
+          </a:p>
+        </p:txBody>
+      </p:sp>
+      <p:sp>
+        <p:nvSpPr>
+          <p:cNvPr id="3" name="Subtitle 2">
+            <a:extLst>
+              <a:ext uri="{FF2B5EF4-FFF2-40B4-BE49-F238E27FC236}">
+                <a16:creationId xmlns:a16="http://schemas.microsoft.com/office/drawing/2014/main" id="{EF3CAD0F-13B7-277D-FDA8-3A397C98ECE9}"/>
+              </a:ext>
+            </a:extLst>
+          </p:cNvPr>
+          <p:cNvSpPr>
+            <a:spLocks noGrp="1"/>
+          </p:cNvSpPr>
+          <p:nvPr>
+            <p:ph type="subTitle" idx="1"/>
+          </p:nvPr>
+        </p:nvSpPr>
+        <p:spPr/>
+        <p:txBody>
+          <a:bodyPr/>
+          <a:lstStyle/>
+          <a:p>
+            <a:endParaRPr lang="en-US"/>
+          </a:p>
+        </p:txBody>
+      </p:sp>
+    </p:spTree>
+    <p:extLst>
+      <p:ext uri="{BB962C8B-B14F-4D97-AF65-F5344CB8AC3E}">
+        <p14:creationId xmlns:p14="http://schemas.microsoft.com/office/powerpoint/2010/main" val="198335120"/>
+      </p:ext>
+    </p:extLst>
+  </p:cSld>
+  <p:clrMapOvr>
+    <a:masterClrMapping/>
+  </p:clrMapOvr>
+</p:sld>
+</file>
+
+<file path=ppt/slides/slide4.xml><?xml version="1.0" encoding="utf-8"?>
+<p:sld xmlns:a="http://schemas.openxmlformats.org/drawingml/2006/main" xmlns:r="http://schemas.openxmlformats.org/officeDocument/2006/relationships" xmlns:p="http://schemas.openxmlformats.org/presentationml/2006/main">
+  <p:cSld>
+    <p:spTree>
+      <p:nvGrpSpPr>
+        <p:cNvPr id="1" name="">
+          <a:extLst>
+            <a:ext uri="{FF2B5EF4-FFF2-40B4-BE49-F238E27FC236}">
+              <a16:creationId xmlns:a16="http://schemas.microsoft.com/office/drawing/2014/main" id="{7B66D38D-AD9C-31EE-BC3F-2D19955A3854}"/>
+            </a:ext>
+          </a:extLst>
+        </p:cNvPr>
+        <p:cNvGrpSpPr/>
+        <p:nvPr/>
+      </p:nvGrpSpPr>
+      <p:grpSpPr>
+        <a:xfrm>
+          <a:off x="0" y="0"/>
+          <a:ext cx="0" cy="0"/>
+          <a:chOff x="0" y="0"/>
+          <a:chExt cx="0" cy="0"/>
+        </a:xfrm>
+      </p:grpSpPr>
+      <p:sp>
+        <p:nvSpPr>
+          <p:cNvPr id="2" name="Title 1">
+            <a:extLst>
+              <a:ext uri="{FF2B5EF4-FFF2-40B4-BE49-F238E27FC236}">
+                <a16:creationId xmlns:a16="http://schemas.microsoft.com/office/drawing/2014/main" id="{383C7D7A-A462-E47B-807A-74B0CA23A12A}"/>
+              </a:ext>
+            </a:extLst>
+          </p:cNvPr>
+          <p:cNvSpPr>
+            <a:spLocks noGrp="1"/>
+          </p:cNvSpPr>
+          <p:nvPr>
+            <p:ph type="ctrTitle"/>
+          </p:nvPr>
+        </p:nvSpPr>
+        <p:spPr/>
+        <p:txBody>
+          <a:bodyPr/>
+          <a:lstStyle/>
+          <a:p>
+            <a:r>
+              <a:rPr lang="en-US"/>
+              <a:t>Gurav</a:t>
+            </a:r>
+            <a:endParaRPr lang="en-US" dirty="0"/>
+          </a:p>
+        </p:txBody>
+      </p:sp>
+      <p:sp>
+        <p:nvSpPr>
+          <p:cNvPr id="3" name="Subtitle 2">
+            <a:extLst>
+              <a:ext uri="{FF2B5EF4-FFF2-40B4-BE49-F238E27FC236}">
+                <a16:creationId xmlns:a16="http://schemas.microsoft.com/office/drawing/2014/main" id="{D9F76670-9752-E096-FDE7-B52555C20BD2}"/>
+              </a:ext>
+            </a:extLst>
+          </p:cNvPr>
+          <p:cNvSpPr>
+            <a:spLocks noGrp="1"/>
+          </p:cNvSpPr>
+          <p:nvPr>
+            <p:ph type="subTitle" idx="1"/>
+          </p:nvPr>
+        </p:nvSpPr>
+        <p:spPr/>
+        <p:txBody>
+          <a:bodyPr/>
+          <a:lstStyle/>
+          <a:p>
+            <a:endParaRPr lang="en-US"/>
+          </a:p>
+        </p:txBody>
+      </p:sp>
+    </p:spTree>
+    <p:extLst>
+      <p:ext uri="{BB962C8B-B14F-4D97-AF65-F5344CB8AC3E}">
+        <p14:creationId xmlns:p14="http://schemas.microsoft.com/office/powerpoint/2010/main" val="1044579659"/>
+      </p:ext>
+    </p:extLst>
+  </p:cSld>
+  <p:clrMapOvr>
+    <a:masterClrMapping/>
+  </p:clrMapOvr>
+</p:sld>
+</file>
+
 <file path=ppt/theme/theme1.xml><?xml version="1.0" encoding="utf-8"?>
 <a:theme xmlns:a="http://schemas.openxmlformats.org/drawingml/2006/main" name="Office Theme">
   <a:themeElements>
